--- a/Senior Project Defense Slides.pptx
+++ b/Senior Project Defense Slides.pptx
@@ -116,6 +116,11 @@
       </a:defRPr>
     </a:lvl9pPr>
   </p:defaultTextStyle>
+  <p:extLst>
+    <p:ext uri="{EFAFB233-063F-42B5-8137-9DF3F51BA10A}">
+      <p15:sldGuideLst xmlns:p15="http://schemas.microsoft.com/office/powerpoint/2012/main"/>
+    </p:ext>
+  </p:extLst>
 </p:presentation>
 </file>
 
@@ -201,7 +206,7 @@
           <a:p>
             <a:fld id="{30E2307D-C888-0848-85A5-F7BDF7EA9922}" type="datetimeFigureOut">
               <a:rPr lang="en-US" smtClean="0"/>
-              <a:t>4/7/21</a:t>
+              <a:t>4/8/21</a:t>
             </a:fld>
             <a:endParaRPr lang="en-US"/>
           </a:p>
@@ -744,7 +749,7 @@
             <a:fld id="{B61BEF0D-F0BB-DE4B-95CE-6DB70DBA9567}" type="datetimeFigureOut">
               <a:rPr lang="en-US" dirty="0"/>
               <a:pPr/>
-              <a:t>4/7/21</a:t>
+              <a:t>4/8/21</a:t>
             </a:fld>
             <a:endParaRPr lang="en-US" dirty="0"/>
           </a:p>
@@ -1079,7 +1084,7 @@
             <a:fld id="{B61BEF0D-F0BB-DE4B-95CE-6DB70DBA9567}" type="datetimeFigureOut">
               <a:rPr lang="en-US" dirty="0"/>
               <a:pPr/>
-              <a:t>4/7/21</a:t>
+              <a:t>4/8/21</a:t>
             </a:fld>
             <a:endParaRPr lang="en-US" dirty="0"/>
           </a:p>
@@ -1477,7 +1482,7 @@
             <a:fld id="{B61BEF0D-F0BB-DE4B-95CE-6DB70DBA9567}" type="datetimeFigureOut">
               <a:rPr lang="en-US" dirty="0"/>
               <a:pPr/>
-              <a:t>4/7/21</a:t>
+              <a:t>4/8/21</a:t>
             </a:fld>
             <a:endParaRPr lang="en-US" dirty="0"/>
           </a:p>
@@ -1810,7 +1815,7 @@
             <a:fld id="{B61BEF0D-F0BB-DE4B-95CE-6DB70DBA9567}" type="datetimeFigureOut">
               <a:rPr lang="en-US" dirty="0"/>
               <a:pPr/>
-              <a:t>4/7/21</a:t>
+              <a:t>4/8/21</a:t>
             </a:fld>
             <a:endParaRPr lang="en-US" dirty="0"/>
           </a:p>
@@ -2127,7 +2132,7 @@
             <a:fld id="{B61BEF0D-F0BB-DE4B-95CE-6DB70DBA9567}" type="datetimeFigureOut">
               <a:rPr lang="en-US" dirty="0"/>
               <a:pPr/>
-              <a:t>4/7/21</a:t>
+              <a:t>4/8/21</a:t>
             </a:fld>
             <a:endParaRPr lang="en-US" dirty="0"/>
           </a:p>
@@ -2520,7 +2525,7 @@
             <a:fld id="{B61BEF0D-F0BB-DE4B-95CE-6DB70DBA9567}" type="datetimeFigureOut">
               <a:rPr lang="en-US" dirty="0"/>
               <a:pPr/>
-              <a:t>4/7/21</a:t>
+              <a:t>4/8/21</a:t>
             </a:fld>
             <a:endParaRPr lang="en-US" dirty="0"/>
           </a:p>
@@ -2774,7 +2779,7 @@
             <a:fld id="{B61BEF0D-F0BB-DE4B-95CE-6DB70DBA9567}" type="datetimeFigureOut">
               <a:rPr lang="en-US" dirty="0"/>
               <a:pPr/>
-              <a:t>4/7/21</a:t>
+              <a:t>4/8/21</a:t>
             </a:fld>
             <a:endParaRPr lang="en-US" dirty="0"/>
           </a:p>
@@ -3033,7 +3038,7 @@
             <a:fld id="{B61BEF0D-F0BB-DE4B-95CE-6DB70DBA9567}" type="datetimeFigureOut">
               <a:rPr lang="en-US" dirty="0"/>
               <a:pPr/>
-              <a:t>4/7/21</a:t>
+              <a:t>4/8/21</a:t>
             </a:fld>
             <a:endParaRPr lang="en-US" dirty="0"/>
           </a:p>
@@ -3292,7 +3297,7 @@
             <a:fld id="{B61BEF0D-F0BB-DE4B-95CE-6DB70DBA9567}" type="datetimeFigureOut">
               <a:rPr lang="en-US" dirty="0"/>
               <a:pPr/>
-              <a:t>4/7/21</a:t>
+              <a:t>4/8/21</a:t>
             </a:fld>
             <a:endParaRPr lang="en-US" dirty="0"/>
           </a:p>
@@ -3618,7 +3623,7 @@
             <a:fld id="{B61BEF0D-F0BB-DE4B-95CE-6DB70DBA9567}" type="datetimeFigureOut">
               <a:rPr lang="en-US" dirty="0"/>
               <a:pPr/>
-              <a:t>4/7/21</a:t>
+              <a:t>4/8/21</a:t>
             </a:fld>
             <a:endParaRPr lang="en-US" dirty="0"/>
           </a:p>
@@ -3938,7 +3943,7 @@
             <a:fld id="{B61BEF0D-F0BB-DE4B-95CE-6DB70DBA9567}" type="datetimeFigureOut">
               <a:rPr lang="en-US" dirty="0"/>
               <a:pPr/>
-              <a:t>4/7/21</a:t>
+              <a:t>4/8/21</a:t>
             </a:fld>
             <a:endParaRPr lang="en-US" dirty="0"/>
           </a:p>
@@ -4392,7 +4397,7 @@
             <a:fld id="{B61BEF0D-F0BB-DE4B-95CE-6DB70DBA9567}" type="datetimeFigureOut">
               <a:rPr lang="en-US" dirty="0"/>
               <a:pPr/>
-              <a:t>4/7/21</a:t>
+              <a:t>4/8/21</a:t>
             </a:fld>
             <a:endParaRPr lang="en-US" dirty="0"/>
           </a:p>
@@ -4594,7 +4599,7 @@
             <a:fld id="{B61BEF0D-F0BB-DE4B-95CE-6DB70DBA9567}" type="datetimeFigureOut">
               <a:rPr lang="en-US" dirty="0"/>
               <a:pPr/>
-              <a:t>4/7/21</a:t>
+              <a:t>4/8/21</a:t>
             </a:fld>
             <a:endParaRPr lang="en-US" dirty="0"/>
           </a:p>
@@ -4768,7 +4773,7 @@
             <a:fld id="{B61BEF0D-F0BB-DE4B-95CE-6DB70DBA9567}" type="datetimeFigureOut">
               <a:rPr lang="en-US" dirty="0"/>
               <a:pPr/>
-              <a:t>4/7/21</a:t>
+              <a:t>4/8/21</a:t>
             </a:fld>
             <a:endParaRPr lang="en-US" dirty="0"/>
           </a:p>
@@ -5098,7 +5103,7 @@
             <a:fld id="{B61BEF0D-F0BB-DE4B-95CE-6DB70DBA9567}" type="datetimeFigureOut">
               <a:rPr lang="en-US" dirty="0"/>
               <a:pPr/>
-              <a:t>4/7/21</a:t>
+              <a:t>4/8/21</a:t>
             </a:fld>
             <a:endParaRPr lang="en-US" dirty="0"/>
           </a:p>
@@ -5440,7 +5445,7 @@
             <a:fld id="{B61BEF0D-F0BB-DE4B-95CE-6DB70DBA9567}" type="datetimeFigureOut">
               <a:rPr lang="en-US" dirty="0"/>
               <a:pPr/>
-              <a:t>4/7/21</a:t>
+              <a:t>4/8/21</a:t>
             </a:fld>
             <a:endParaRPr lang="en-US" dirty="0"/>
           </a:p>
@@ -7554,7 +7559,7 @@
             <a:fld id="{B61BEF0D-F0BB-DE4B-95CE-6DB70DBA9567}" type="datetimeFigureOut">
               <a:rPr lang="en-US" dirty="0"/>
               <a:pPr/>
-              <a:t>4/7/21</a:t>
+              <a:t>4/8/21</a:t>
             </a:fld>
             <a:endParaRPr lang="en-US" dirty="0"/>
           </a:p>
@@ -8207,10 +8212,62 @@
         </p:nvSpPr>
         <p:spPr/>
         <p:txBody>
-          <a:bodyPr/>
+          <a:bodyPr>
+            <a:normAutofit lnSpcReduction="10000"/>
+          </a:bodyPr>
           <a:lstStyle/>
           <a:p>
-            <a:endParaRPr lang="en-US"/>
+            <a:r>
+              <a:rPr lang="en-US" dirty="0"/>
+              <a:t>Resolving the Base64 decoder and invalid character loop for AES256 decryption.</a:t>
+            </a:r>
+          </a:p>
+          <a:p>
+            <a:r>
+              <a:rPr lang="en-US" dirty="0"/>
+              <a:t>Store and read Secret Keys and IV (IV only for AES256) for multiple file encryption for AES256 and DES like Caesarean set up.</a:t>
+            </a:r>
+          </a:p>
+          <a:p>
+            <a:r>
+              <a:rPr lang="en-US" dirty="0"/>
+              <a:t>Include more encryption methods such as SHA256, Triple DES, </a:t>
+            </a:r>
+            <a:r>
+              <a:rPr lang="en-US" dirty="0" err="1"/>
+              <a:t>Viginere</a:t>
+            </a:r>
+            <a:r>
+              <a:rPr lang="en-US" dirty="0"/>
+              <a:t>, and others.</a:t>
+            </a:r>
+          </a:p>
+          <a:p>
+            <a:r>
+              <a:rPr lang="en-US" dirty="0"/>
+              <a:t>Make the file selection a pop-out box that allows for selecting a file rather than entering a file path.*</a:t>
+            </a:r>
+          </a:p>
+          <a:p>
+            <a:r>
+              <a:rPr lang="en-US" dirty="0"/>
+              <a:t>Overhaul user interface so that it is more appealing and interactive for the user.*</a:t>
+            </a:r>
+          </a:p>
+          <a:p>
+            <a:pPr marL="0" indent="0">
+              <a:buNone/>
+            </a:pPr>
+            <a:endParaRPr lang="en-US" dirty="0"/>
+          </a:p>
+          <a:p>
+            <a:pPr marL="0" indent="0">
+              <a:buNone/>
+            </a:pPr>
+            <a:r>
+              <a:rPr lang="en-US" sz="1050" dirty="0"/>
+              <a:t>* Would require a transition to a JavaFX class for pop-up windows and an interactive UI.</a:t>
+            </a:r>
           </a:p>
         </p:txBody>
       </p:sp>
@@ -8293,7 +8350,45 @@
           <a:bodyPr/>
           <a:lstStyle/>
           <a:p>
-            <a:endParaRPr lang="en-US"/>
+            <a:r>
+              <a:rPr lang="en-US" dirty="0"/>
+              <a:t>Today there is a massive market for healthcare encryption since files are being shared through emails now containing personally identifying information (PII).</a:t>
+            </a:r>
+          </a:p>
+          <a:p>
+            <a:pPr marL="0" indent="0">
+              <a:buNone/>
+            </a:pPr>
+            <a:endParaRPr lang="en-US" dirty="0"/>
+          </a:p>
+          <a:p>
+            <a:pPr>
+              <a:buFont typeface="Wingdings 3" pitchFamily="2" charset="2"/>
+              <a:buChar char=""/>
+            </a:pPr>
+            <a:r>
+              <a:rPr lang="en-US" dirty="0"/>
+              <a:t>However, In the public market there are few options if you did not select full-disk encryption when first setting up your device. Of those that are available none are free as they are all services provided by companies.</a:t>
+            </a:r>
+          </a:p>
+          <a:p>
+            <a:pPr marL="0" indent="0">
+              <a:buNone/>
+            </a:pPr>
+            <a:endParaRPr lang="en-US" dirty="0"/>
+          </a:p>
+          <a:p>
+            <a:pPr>
+              <a:buFont typeface="Wingdings 3" pitchFamily="2" charset="2"/>
+              <a:buChar char=""/>
+            </a:pPr>
+            <a:r>
+              <a:rPr lang="en-US" dirty="0"/>
+              <a:t>The purpose of this project is to develop a free software that is for end-user encryption of individual files rather than the traditional method of full-disk encryption.</a:t>
+            </a:r>
+          </a:p>
+          <a:p>
+            <a:endParaRPr lang="en-US" dirty="0"/>
           </a:p>
         </p:txBody>
       </p:sp>
@@ -8586,7 +8681,81 @@
           <a:bodyPr/>
           <a:lstStyle/>
           <a:p>
-            <a:endParaRPr lang="en-US" dirty="0"/>
+            <a:r>
+              <a:rPr lang="en-US" dirty="0"/>
+              <a:t>The project requirements included:</a:t>
+            </a:r>
+          </a:p>
+          <a:p>
+            <a:pPr lvl="1"/>
+            <a:r>
+              <a:rPr lang="en-US" dirty="0"/>
+              <a:t>Clear and Concise User Interface</a:t>
+            </a:r>
+          </a:p>
+          <a:p>
+            <a:pPr lvl="1"/>
+            <a:r>
+              <a:rPr lang="en-US" dirty="0"/>
+              <a:t>Recursive Call to Encryption and Decryption </a:t>
+            </a:r>
+          </a:p>
+          <a:p>
+            <a:pPr lvl="1"/>
+            <a:r>
+              <a:rPr lang="en-US" dirty="0"/>
+              <a:t>File and Folder Creation</a:t>
+            </a:r>
+          </a:p>
+          <a:p>
+            <a:pPr lvl="1"/>
+            <a:r>
+              <a:rPr lang="en-US" dirty="0"/>
+              <a:t>File Input Validation</a:t>
+            </a:r>
+          </a:p>
+          <a:p>
+            <a:pPr lvl="1"/>
+            <a:r>
+              <a:rPr lang="en-US" dirty="0"/>
+              <a:t>Caesar, DES, and AES256 Encryption and Decryption</a:t>
+            </a:r>
+          </a:p>
+          <a:p>
+            <a:pPr lvl="1"/>
+            <a:r>
+              <a:rPr lang="en-US" dirty="0"/>
+              <a:t>IV generator for AES256 Encryption and Decryption</a:t>
+            </a:r>
+          </a:p>
+          <a:p>
+            <a:pPr lvl="1"/>
+            <a:r>
+              <a:rPr lang="en-US" dirty="0"/>
+              <a:t>Secret Key generator for AES 256 Encryption and Decryption</a:t>
+            </a:r>
+          </a:p>
+          <a:p>
+            <a:pPr lvl="1"/>
+            <a:r>
+              <a:rPr lang="en-US" dirty="0" err="1"/>
+              <a:t>FileNotFound</a:t>
+            </a:r>
+            <a:r>
+              <a:rPr lang="en-US" dirty="0"/>
+              <a:t> Exception</a:t>
+            </a:r>
+          </a:p>
+          <a:p>
+            <a:pPr lvl="1"/>
+            <a:r>
+              <a:rPr lang="en-US" dirty="0" err="1"/>
+              <a:t>BufferedReader</a:t>
+            </a:r>
+            <a:r>
+              <a:rPr lang="en-US" dirty="0"/>
+              <a:t> for Reading File Text</a:t>
+            </a:r>
           </a:p>
         </p:txBody>
       </p:sp>
@@ -8669,7 +8838,61 @@
           <a:bodyPr/>
           <a:lstStyle/>
           <a:p>
-            <a:endParaRPr lang="en-US"/>
+            <a:r>
+              <a:rPr lang="en-US" dirty="0"/>
+              <a:t>For this project there were several tasks to be accomplished that included:</a:t>
+            </a:r>
+          </a:p>
+          <a:p>
+            <a:pPr lvl="1"/>
+            <a:r>
+              <a:rPr lang="en-US" dirty="0"/>
+              <a:t>Encryption and Decryption methods</a:t>
+            </a:r>
+          </a:p>
+          <a:p>
+            <a:pPr lvl="1"/>
+            <a:r>
+              <a:rPr lang="en-US" dirty="0"/>
+              <a:t>File name validation </a:t>
+            </a:r>
+          </a:p>
+          <a:p>
+            <a:pPr lvl="1"/>
+            <a:r>
+              <a:rPr lang="en-US" dirty="0"/>
+              <a:t>File and Folder creation</a:t>
+            </a:r>
+          </a:p>
+          <a:p>
+            <a:pPr lvl="1"/>
+            <a:r>
+              <a:rPr lang="en-US" dirty="0"/>
+              <a:t>Recursion, </a:t>
+            </a:r>
+            <a:r>
+              <a:rPr lang="en-US" dirty="0" err="1"/>
+              <a:t>FileNotFound</a:t>
+            </a:r>
+            <a:r>
+              <a:rPr lang="en-US" dirty="0"/>
+              <a:t> exception, and a file contents reader.</a:t>
+            </a:r>
+          </a:p>
+          <a:p>
+            <a:pPr lvl="1"/>
+            <a:endParaRPr lang="en-US" dirty="0"/>
+          </a:p>
+          <a:p>
+            <a:r>
+              <a:rPr lang="en-US" dirty="0"/>
+              <a:t>This project was developed over the course of 3 semesters and utilizes around 20 java libraries from the main groups of IO, Util, Security, </a:t>
+            </a:r>
+            <a:r>
+              <a:rPr lang="en-US"/>
+              <a:t>and Cipher.</a:t>
+            </a:r>
+            <a:endParaRPr lang="en-US" dirty="0"/>
           </a:p>
         </p:txBody>
       </p:sp>
@@ -8752,7 +8975,7 @@
           <a:bodyPr/>
           <a:lstStyle/>
           <a:p>
-            <a:endParaRPr lang="en-US"/>
+            <a:endParaRPr lang="en-US" dirty="0"/>
           </a:p>
         </p:txBody>
       </p:sp>

--- a/Senior Project Defense Slides.pptx
+++ b/Senior Project Defense Slides.pptx
@@ -5,7 +5,7 @@
     <p:sldMasterId id="2147483648" r:id="rId1"/>
   </p:sldMasterIdLst>
   <p:notesMasterIdLst>
-    <p:notesMasterId r:id="rId12"/>
+    <p:notesMasterId r:id="rId13"/>
   </p:notesMasterIdLst>
   <p:sldIdLst>
     <p:sldId id="256" r:id="rId2"/>
@@ -18,6 +18,7 @@
     <p:sldId id="263" r:id="rId9"/>
     <p:sldId id="264" r:id="rId10"/>
     <p:sldId id="265" r:id="rId11"/>
+    <p:sldId id="266" r:id="rId12"/>
   </p:sldIdLst>
   <p:sldSz cx="12192000" cy="6858000"/>
   <p:notesSz cx="6858000" cy="9144000"/>
@@ -206,7 +207,7 @@
           <a:p>
             <a:fld id="{30E2307D-C888-0848-85A5-F7BDF7EA9922}" type="datetimeFigureOut">
               <a:rPr lang="en-US" smtClean="0"/>
-              <a:t>4/8/21</a:t>
+              <a:t>4/10/2021</a:t>
             </a:fld>
             <a:endParaRPr lang="en-US"/>
           </a:p>
@@ -517,6 +518,90 @@
           <a:bodyPr/>
           <a:lstStyle/>
           <a:p>
+            <a:endParaRPr lang="en-US" dirty="0"/>
+          </a:p>
+        </p:txBody>
+      </p:sp>
+      <p:sp>
+        <p:nvSpPr>
+          <p:cNvPr id="4" name="Slide Number Placeholder 3"/>
+          <p:cNvSpPr>
+            <a:spLocks noGrp="1"/>
+          </p:cNvSpPr>
+          <p:nvPr>
+            <p:ph type="sldNum" sz="quarter" idx="5"/>
+          </p:nvPr>
+        </p:nvSpPr>
+        <p:spPr/>
+        <p:txBody>
+          <a:bodyPr/>
+          <a:lstStyle/>
+          <a:p>
+            <a:fld id="{126FC747-98EA-DA40-ADBC-46E259308BD7}" type="slidenum">
+              <a:rPr lang="en-US" smtClean="0"/>
+              <a:t>2</a:t>
+            </a:fld>
+            <a:endParaRPr lang="en-US"/>
+          </a:p>
+        </p:txBody>
+      </p:sp>
+    </p:spTree>
+    <p:extLst>
+      <p:ext uri="{BB962C8B-B14F-4D97-AF65-F5344CB8AC3E}">
+        <p14:creationId xmlns:p14="http://schemas.microsoft.com/office/powerpoint/2010/main" val="960157178"/>
+      </p:ext>
+    </p:extLst>
+  </p:cSld>
+  <p:clrMapOvr>
+    <a:masterClrMapping/>
+  </p:clrMapOvr>
+</p:notes>
+</file>
+
+<file path=ppt/notesSlides/notesSlide2.xml><?xml version="1.0" encoding="utf-8"?>
+<p:notes xmlns:a="http://schemas.openxmlformats.org/drawingml/2006/main" xmlns:r="http://schemas.openxmlformats.org/officeDocument/2006/relationships" xmlns:p="http://schemas.openxmlformats.org/presentationml/2006/main">
+  <p:cSld>
+    <p:spTree>
+      <p:nvGrpSpPr>
+        <p:cNvPr id="1" name=""/>
+        <p:cNvGrpSpPr/>
+        <p:nvPr/>
+      </p:nvGrpSpPr>
+      <p:grpSpPr>
+        <a:xfrm>
+          <a:off x="0" y="0"/>
+          <a:ext cx="0" cy="0"/>
+          <a:chOff x="0" y="0"/>
+          <a:chExt cx="0" cy="0"/>
+        </a:xfrm>
+      </p:grpSpPr>
+      <p:sp>
+        <p:nvSpPr>
+          <p:cNvPr id="2" name="Slide Image Placeholder 1"/>
+          <p:cNvSpPr>
+            <a:spLocks noGrp="1" noRot="1" noChangeAspect="1"/>
+          </p:cNvSpPr>
+          <p:nvPr>
+            <p:ph type="sldImg"/>
+          </p:nvPr>
+        </p:nvSpPr>
+        <p:spPr/>
+      </p:sp>
+      <p:sp>
+        <p:nvSpPr>
+          <p:cNvPr id="3" name="Notes Placeholder 2"/>
+          <p:cNvSpPr>
+            <a:spLocks noGrp="1"/>
+          </p:cNvSpPr>
+          <p:nvPr>
+            <p:ph type="body" idx="1"/>
+          </p:nvPr>
+        </p:nvSpPr>
+        <p:spPr/>
+        <p:txBody>
+          <a:bodyPr/>
+          <a:lstStyle/>
+          <a:p>
             <a:r>
               <a:rPr lang="en-US" dirty="0"/>
               <a:t>Libraries include IO libraries, Security libraries, Util libraries, and Crypto libraries</a:t>
@@ -749,7 +834,7 @@
             <a:fld id="{B61BEF0D-F0BB-DE4B-95CE-6DB70DBA9567}" type="datetimeFigureOut">
               <a:rPr lang="en-US" dirty="0"/>
               <a:pPr/>
-              <a:t>4/8/21</a:t>
+              <a:t>4/10/2021</a:t>
             </a:fld>
             <a:endParaRPr lang="en-US" dirty="0"/>
           </a:p>
@@ -1084,7 +1169,7 @@
             <a:fld id="{B61BEF0D-F0BB-DE4B-95CE-6DB70DBA9567}" type="datetimeFigureOut">
               <a:rPr lang="en-US" dirty="0"/>
               <a:pPr/>
-              <a:t>4/8/21</a:t>
+              <a:t>4/10/2021</a:t>
             </a:fld>
             <a:endParaRPr lang="en-US" dirty="0"/>
           </a:p>
@@ -1482,7 +1567,7 @@
             <a:fld id="{B61BEF0D-F0BB-DE4B-95CE-6DB70DBA9567}" type="datetimeFigureOut">
               <a:rPr lang="en-US" dirty="0"/>
               <a:pPr/>
-              <a:t>4/8/21</a:t>
+              <a:t>4/10/2021</a:t>
             </a:fld>
             <a:endParaRPr lang="en-US" dirty="0"/>
           </a:p>
@@ -1815,7 +1900,7 @@
             <a:fld id="{B61BEF0D-F0BB-DE4B-95CE-6DB70DBA9567}" type="datetimeFigureOut">
               <a:rPr lang="en-US" dirty="0"/>
               <a:pPr/>
-              <a:t>4/8/21</a:t>
+              <a:t>4/10/2021</a:t>
             </a:fld>
             <a:endParaRPr lang="en-US" dirty="0"/>
           </a:p>
@@ -2132,7 +2217,7 @@
             <a:fld id="{B61BEF0D-F0BB-DE4B-95CE-6DB70DBA9567}" type="datetimeFigureOut">
               <a:rPr lang="en-US" dirty="0"/>
               <a:pPr/>
-              <a:t>4/8/21</a:t>
+              <a:t>4/10/2021</a:t>
             </a:fld>
             <a:endParaRPr lang="en-US" dirty="0"/>
           </a:p>
@@ -2525,7 +2610,7 @@
             <a:fld id="{B61BEF0D-F0BB-DE4B-95CE-6DB70DBA9567}" type="datetimeFigureOut">
               <a:rPr lang="en-US" dirty="0"/>
               <a:pPr/>
-              <a:t>4/8/21</a:t>
+              <a:t>4/10/2021</a:t>
             </a:fld>
             <a:endParaRPr lang="en-US" dirty="0"/>
           </a:p>
@@ -2779,7 +2864,7 @@
             <a:fld id="{B61BEF0D-F0BB-DE4B-95CE-6DB70DBA9567}" type="datetimeFigureOut">
               <a:rPr lang="en-US" dirty="0"/>
               <a:pPr/>
-              <a:t>4/8/21</a:t>
+              <a:t>4/10/2021</a:t>
             </a:fld>
             <a:endParaRPr lang="en-US" dirty="0"/>
           </a:p>
@@ -3038,7 +3123,7 @@
             <a:fld id="{B61BEF0D-F0BB-DE4B-95CE-6DB70DBA9567}" type="datetimeFigureOut">
               <a:rPr lang="en-US" dirty="0"/>
               <a:pPr/>
-              <a:t>4/8/21</a:t>
+              <a:t>4/10/2021</a:t>
             </a:fld>
             <a:endParaRPr lang="en-US" dirty="0"/>
           </a:p>
@@ -3297,7 +3382,7 @@
             <a:fld id="{B61BEF0D-F0BB-DE4B-95CE-6DB70DBA9567}" type="datetimeFigureOut">
               <a:rPr lang="en-US" dirty="0"/>
               <a:pPr/>
-              <a:t>4/8/21</a:t>
+              <a:t>4/10/2021</a:t>
             </a:fld>
             <a:endParaRPr lang="en-US" dirty="0"/>
           </a:p>
@@ -3623,7 +3708,7 @@
             <a:fld id="{B61BEF0D-F0BB-DE4B-95CE-6DB70DBA9567}" type="datetimeFigureOut">
               <a:rPr lang="en-US" dirty="0"/>
               <a:pPr/>
-              <a:t>4/8/21</a:t>
+              <a:t>4/10/2021</a:t>
             </a:fld>
             <a:endParaRPr lang="en-US" dirty="0"/>
           </a:p>
@@ -3943,7 +4028,7 @@
             <a:fld id="{B61BEF0D-F0BB-DE4B-95CE-6DB70DBA9567}" type="datetimeFigureOut">
               <a:rPr lang="en-US" dirty="0"/>
               <a:pPr/>
-              <a:t>4/8/21</a:t>
+              <a:t>4/10/2021</a:t>
             </a:fld>
             <a:endParaRPr lang="en-US" dirty="0"/>
           </a:p>
@@ -4397,7 +4482,7 @@
             <a:fld id="{B61BEF0D-F0BB-DE4B-95CE-6DB70DBA9567}" type="datetimeFigureOut">
               <a:rPr lang="en-US" dirty="0"/>
               <a:pPr/>
-              <a:t>4/8/21</a:t>
+              <a:t>4/10/2021</a:t>
             </a:fld>
             <a:endParaRPr lang="en-US" dirty="0"/>
           </a:p>
@@ -4599,7 +4684,7 @@
             <a:fld id="{B61BEF0D-F0BB-DE4B-95CE-6DB70DBA9567}" type="datetimeFigureOut">
               <a:rPr lang="en-US" dirty="0"/>
               <a:pPr/>
-              <a:t>4/8/21</a:t>
+              <a:t>4/10/2021</a:t>
             </a:fld>
             <a:endParaRPr lang="en-US" dirty="0"/>
           </a:p>
@@ -4773,7 +4858,7 @@
             <a:fld id="{B61BEF0D-F0BB-DE4B-95CE-6DB70DBA9567}" type="datetimeFigureOut">
               <a:rPr lang="en-US" dirty="0"/>
               <a:pPr/>
-              <a:t>4/8/21</a:t>
+              <a:t>4/10/2021</a:t>
             </a:fld>
             <a:endParaRPr lang="en-US" dirty="0"/>
           </a:p>
@@ -5103,7 +5188,7 @@
             <a:fld id="{B61BEF0D-F0BB-DE4B-95CE-6DB70DBA9567}" type="datetimeFigureOut">
               <a:rPr lang="en-US" dirty="0"/>
               <a:pPr/>
-              <a:t>4/8/21</a:t>
+              <a:t>4/10/2021</a:t>
             </a:fld>
             <a:endParaRPr lang="en-US" dirty="0"/>
           </a:p>
@@ -5445,7 +5530,7 @@
             <a:fld id="{B61BEF0D-F0BB-DE4B-95CE-6DB70DBA9567}" type="datetimeFigureOut">
               <a:rPr lang="en-US" dirty="0"/>
               <a:pPr/>
-              <a:t>4/8/21</a:t>
+              <a:t>4/10/2021</a:t>
             </a:fld>
             <a:endParaRPr lang="en-US" dirty="0"/>
           </a:p>
@@ -7559,7 +7644,7 @@
             <a:fld id="{B61BEF0D-F0BB-DE4B-95CE-6DB70DBA9567}" type="datetimeFigureOut">
               <a:rPr lang="en-US" dirty="0"/>
               <a:pPr/>
-              <a:t>4/8/21</a:t>
+              <a:t>4/10/2021</a:t>
             </a:fld>
             <a:endParaRPr lang="en-US" dirty="0"/>
           </a:p>
@@ -8095,14 +8180,32 @@
           <a:lstStyle/>
           <a:p>
             <a:r>
-              <a:rPr lang="en-US" dirty="0"/>
+              <a:rPr lang="en-US" dirty="0">
+                <a:solidFill>
+                  <a:schemeClr val="tx1"/>
+                </a:solidFill>
+                <a:latin typeface="Times New Roman" panose="02020603050405020304" pitchFamily="18" charset="0"/>
+                <a:cs typeface="Times New Roman" panose="02020603050405020304" pitchFamily="18" charset="0"/>
+              </a:rPr>
               <a:t>Text File Encryptor</a:t>
             </a:r>
             <a:br>
-              <a:rPr lang="en-US" dirty="0"/>
+              <a:rPr lang="en-US" dirty="0">
+                <a:solidFill>
+                  <a:schemeClr val="tx1"/>
+                </a:solidFill>
+                <a:latin typeface="Times New Roman" panose="02020603050405020304" pitchFamily="18" charset="0"/>
+                <a:cs typeface="Times New Roman" panose="02020603050405020304" pitchFamily="18" charset="0"/>
+              </a:rPr>
             </a:br>
             <a:r>
-              <a:rPr lang="en-US" dirty="0"/>
+              <a:rPr lang="en-US" dirty="0">
+                <a:solidFill>
+                  <a:schemeClr val="tx1"/>
+                </a:solidFill>
+                <a:latin typeface="Times New Roman" panose="02020603050405020304" pitchFamily="18" charset="0"/>
+                <a:cs typeface="Times New Roman" panose="02020603050405020304" pitchFamily="18" charset="0"/>
+              </a:rPr>
               <a:t>Senior Project</a:t>
             </a:r>
           </a:p>
@@ -8130,7 +8233,10 @@
           <a:lstStyle/>
           <a:p>
             <a:r>
-              <a:rPr lang="en-US" dirty="0"/>
+              <a:rPr lang="en-US" dirty="0">
+                <a:latin typeface="Times New Roman" panose="02020603050405020304" pitchFamily="18" charset="0"/>
+                <a:cs typeface="Times New Roman" panose="02020603050405020304" pitchFamily="18" charset="0"/>
+              </a:rPr>
               <a:t>By: Trevor Abel</a:t>
             </a:r>
           </a:p>
@@ -8188,7 +8294,13 @@
           <a:lstStyle/>
           <a:p>
             <a:r>
-              <a:rPr lang="en-US" dirty="0"/>
+              <a:rPr lang="en-US" dirty="0">
+                <a:solidFill>
+                  <a:schemeClr val="tx1"/>
+                </a:solidFill>
+                <a:latin typeface="Times New Roman" panose="02020603050405020304" pitchFamily="18" charset="0"/>
+                <a:cs typeface="Times New Roman" panose="02020603050405020304" pitchFamily="18" charset="0"/>
+              </a:rPr>
               <a:t>Future Enhancements</a:t>
             </a:r>
           </a:p>
@@ -8213,44 +8325,122 @@
         <p:spPr/>
         <p:txBody>
           <a:bodyPr>
-            <a:normAutofit lnSpcReduction="10000"/>
+            <a:normAutofit/>
           </a:bodyPr>
           <a:lstStyle/>
           <a:p>
             <a:r>
-              <a:rPr lang="en-US" dirty="0"/>
+              <a:rPr lang="en-US" sz="1200" dirty="0">
+                <a:solidFill>
+                  <a:schemeClr val="tx1"/>
+                </a:solidFill>
+                <a:latin typeface="Times New Roman" panose="02020603050405020304" pitchFamily="18" charset="0"/>
+                <a:cs typeface="Times New Roman" panose="02020603050405020304" pitchFamily="18" charset="0"/>
+              </a:rPr>
               <a:t>Resolving the Base64 decoder and invalid character loop for AES256 decryption.</a:t>
             </a:r>
           </a:p>
           <a:p>
-            <a:r>
-              <a:rPr lang="en-US" dirty="0"/>
+            <a:endParaRPr lang="en-US" sz="1200" dirty="0">
+              <a:solidFill>
+                <a:schemeClr val="tx1"/>
+              </a:solidFill>
+              <a:latin typeface="Times New Roman" panose="02020603050405020304" pitchFamily="18" charset="0"/>
+              <a:cs typeface="Times New Roman" panose="02020603050405020304" pitchFamily="18" charset="0"/>
+            </a:endParaRPr>
+          </a:p>
+          <a:p>
+            <a:r>
+              <a:rPr lang="en-US" sz="1200" dirty="0">
+                <a:solidFill>
+                  <a:schemeClr val="tx1"/>
+                </a:solidFill>
+                <a:latin typeface="Times New Roman" panose="02020603050405020304" pitchFamily="18" charset="0"/>
+                <a:cs typeface="Times New Roman" panose="02020603050405020304" pitchFamily="18" charset="0"/>
+              </a:rPr>
               <a:t>Store and read Secret Keys and IV (IV only for AES256) for multiple file encryption for AES256 and DES like Caesarean set up.</a:t>
             </a:r>
           </a:p>
           <a:p>
-            <a:r>
-              <a:rPr lang="en-US" dirty="0"/>
+            <a:endParaRPr lang="en-US" sz="1200" dirty="0">
+              <a:solidFill>
+                <a:schemeClr val="tx1"/>
+              </a:solidFill>
+              <a:latin typeface="Times New Roman" panose="02020603050405020304" pitchFamily="18" charset="0"/>
+              <a:cs typeface="Times New Roman" panose="02020603050405020304" pitchFamily="18" charset="0"/>
+            </a:endParaRPr>
+          </a:p>
+          <a:p>
+            <a:r>
+              <a:rPr lang="en-US" sz="1200" dirty="0">
+                <a:solidFill>
+                  <a:schemeClr val="tx1"/>
+                </a:solidFill>
+                <a:latin typeface="Times New Roman" panose="02020603050405020304" pitchFamily="18" charset="0"/>
+                <a:cs typeface="Times New Roman" panose="02020603050405020304" pitchFamily="18" charset="0"/>
+              </a:rPr>
               <a:t>Include more encryption methods such as SHA256, Triple DES, </a:t>
             </a:r>
             <a:r>
-              <a:rPr lang="en-US" dirty="0" err="1"/>
+              <a:rPr lang="en-US" sz="1200" dirty="0" err="1">
+                <a:solidFill>
+                  <a:schemeClr val="tx1"/>
+                </a:solidFill>
+                <a:latin typeface="Times New Roman" panose="02020603050405020304" pitchFamily="18" charset="0"/>
+                <a:cs typeface="Times New Roman" panose="02020603050405020304" pitchFamily="18" charset="0"/>
+              </a:rPr>
               <a:t>Viginere</a:t>
             </a:r>
             <a:r>
-              <a:rPr lang="en-US" dirty="0"/>
+              <a:rPr lang="en-US" sz="1200" dirty="0">
+                <a:solidFill>
+                  <a:schemeClr val="tx1"/>
+                </a:solidFill>
+                <a:latin typeface="Times New Roman" panose="02020603050405020304" pitchFamily="18" charset="0"/>
+                <a:cs typeface="Times New Roman" panose="02020603050405020304" pitchFamily="18" charset="0"/>
+              </a:rPr>
               <a:t>, and others.</a:t>
             </a:r>
           </a:p>
           <a:p>
-            <a:r>
-              <a:rPr lang="en-US" dirty="0"/>
+            <a:endParaRPr lang="en-US" sz="1200" dirty="0">
+              <a:solidFill>
+                <a:schemeClr val="tx1"/>
+              </a:solidFill>
+              <a:latin typeface="Times New Roman" panose="02020603050405020304" pitchFamily="18" charset="0"/>
+              <a:cs typeface="Times New Roman" panose="02020603050405020304" pitchFamily="18" charset="0"/>
+            </a:endParaRPr>
+          </a:p>
+          <a:p>
+            <a:r>
+              <a:rPr lang="en-US" sz="1200" dirty="0">
+                <a:solidFill>
+                  <a:schemeClr val="tx1"/>
+                </a:solidFill>
+                <a:latin typeface="Times New Roman" panose="02020603050405020304" pitchFamily="18" charset="0"/>
+                <a:cs typeface="Times New Roman" panose="02020603050405020304" pitchFamily="18" charset="0"/>
+              </a:rPr>
               <a:t>Make the file selection a pop-out box that allows for selecting a file rather than entering a file path.*</a:t>
             </a:r>
           </a:p>
           <a:p>
-            <a:r>
-              <a:rPr lang="en-US" dirty="0"/>
+            <a:endParaRPr lang="en-US" sz="1200" dirty="0">
+              <a:solidFill>
+                <a:schemeClr val="tx1"/>
+              </a:solidFill>
+              <a:latin typeface="Times New Roman" panose="02020603050405020304" pitchFamily="18" charset="0"/>
+              <a:cs typeface="Times New Roman" panose="02020603050405020304" pitchFamily="18" charset="0"/>
+            </a:endParaRPr>
+          </a:p>
+          <a:p>
+            <a:r>
+              <a:rPr lang="en-US" sz="1200" dirty="0">
+                <a:solidFill>
+                  <a:schemeClr val="tx1"/>
+                </a:solidFill>
+                <a:latin typeface="Times New Roman" panose="02020603050405020304" pitchFamily="18" charset="0"/>
+                <a:cs typeface="Times New Roman" panose="02020603050405020304" pitchFamily="18" charset="0"/>
+              </a:rPr>
               <a:t>Overhaul user interface so that it is more appealing and interactive for the user.*</a:t>
             </a:r>
           </a:p>
@@ -8265,7 +8455,13 @@
               <a:buNone/>
             </a:pPr>
             <a:r>
-              <a:rPr lang="en-US" sz="1050" dirty="0"/>
+              <a:rPr lang="en-US" sz="1050" dirty="0">
+                <a:solidFill>
+                  <a:schemeClr val="tx1"/>
+                </a:solidFill>
+                <a:latin typeface="Times New Roman" panose="02020603050405020304" pitchFamily="18" charset="0"/>
+                <a:cs typeface="Times New Roman" panose="02020603050405020304" pitchFamily="18" charset="0"/>
+              </a:rPr>
               <a:t>* Would require a transition to a JavaFX class for pop-up windows and an interactive UI.</a:t>
             </a:r>
           </a:p>
@@ -8275,6 +8471,295 @@
     <p:extLst>
       <p:ext uri="{BB962C8B-B14F-4D97-AF65-F5344CB8AC3E}">
         <p14:creationId xmlns:p14="http://schemas.microsoft.com/office/powerpoint/2010/main" val="4109087825"/>
+      </p:ext>
+    </p:extLst>
+  </p:cSld>
+  <p:clrMapOvr>
+    <a:masterClrMapping/>
+  </p:clrMapOvr>
+</p:sld>
+</file>
+
+<file path=ppt/slides/slide11.xml><?xml version="1.0" encoding="utf-8"?>
+<p:sld xmlns:a="http://schemas.openxmlformats.org/drawingml/2006/main" xmlns:r="http://schemas.openxmlformats.org/officeDocument/2006/relationships" xmlns:p="http://schemas.openxmlformats.org/presentationml/2006/main">
+  <p:cSld>
+    <p:spTree>
+      <p:nvGrpSpPr>
+        <p:cNvPr id="1" name=""/>
+        <p:cNvGrpSpPr/>
+        <p:nvPr/>
+      </p:nvGrpSpPr>
+      <p:grpSpPr>
+        <a:xfrm>
+          <a:off x="0" y="0"/>
+          <a:ext cx="0" cy="0"/>
+          <a:chOff x="0" y="0"/>
+          <a:chExt cx="0" cy="0"/>
+        </a:xfrm>
+      </p:grpSpPr>
+      <p:sp>
+        <p:nvSpPr>
+          <p:cNvPr id="2" name="Title 1">
+            <a:extLst>
+              <a:ext uri="{FF2B5EF4-FFF2-40B4-BE49-F238E27FC236}">
+                <a16:creationId xmlns:a16="http://schemas.microsoft.com/office/drawing/2014/main" id="{6F713D8F-229F-41D4-B99B-80A3FCF38598}"/>
+              </a:ext>
+            </a:extLst>
+          </p:cNvPr>
+          <p:cNvSpPr>
+            <a:spLocks noGrp="1"/>
+          </p:cNvSpPr>
+          <p:nvPr>
+            <p:ph type="title"/>
+          </p:nvPr>
+        </p:nvSpPr>
+        <p:spPr/>
+        <p:txBody>
+          <a:bodyPr/>
+          <a:lstStyle/>
+          <a:p>
+            <a:r>
+              <a:rPr lang="en-US" dirty="0">
+                <a:latin typeface="Times New Roman" panose="02020603050405020304" pitchFamily="18" charset="0"/>
+                <a:cs typeface="Times New Roman" panose="02020603050405020304" pitchFamily="18" charset="0"/>
+              </a:rPr>
+              <a:t>Sources</a:t>
+            </a:r>
+          </a:p>
+        </p:txBody>
+      </p:sp>
+      <p:sp>
+        <p:nvSpPr>
+          <p:cNvPr id="3" name="Content Placeholder 2">
+            <a:extLst>
+              <a:ext uri="{FF2B5EF4-FFF2-40B4-BE49-F238E27FC236}">
+                <a16:creationId xmlns:a16="http://schemas.microsoft.com/office/drawing/2014/main" id="{04CB9D9C-0F4B-4527-A895-AF500FFADC88}"/>
+              </a:ext>
+            </a:extLst>
+          </p:cNvPr>
+          <p:cNvSpPr>
+            <a:spLocks noGrp="1"/>
+          </p:cNvSpPr>
+          <p:nvPr>
+            <p:ph idx="1"/>
+          </p:nvPr>
+        </p:nvSpPr>
+        <p:spPr/>
+        <p:txBody>
+          <a:bodyPr>
+            <a:normAutofit/>
+          </a:bodyPr>
+          <a:lstStyle/>
+          <a:p>
+            <a:pPr algn="l"/>
+            <a:r>
+              <a:rPr lang="en-US" sz="1200" b="0" i="0" dirty="0">
+                <a:solidFill>
+                  <a:srgbClr val="24292E"/>
+                </a:solidFill>
+                <a:effectLst/>
+                <a:latin typeface="-apple-system"/>
+              </a:rPr>
+              <a:t>[1] European Union Agency for Cybersecurity. (2018, Apr). The Value of Personal Online Data.</a:t>
+            </a:r>
+          </a:p>
+          <a:p>
+            <a:pPr marL="0" indent="0" algn="l">
+              <a:buNone/>
+            </a:pPr>
+            <a:r>
+              <a:rPr lang="en-US" sz="1200" dirty="0">
+                <a:solidFill>
+                  <a:srgbClr val="24292E"/>
+                </a:solidFill>
+                <a:latin typeface="-apple-system"/>
+              </a:rPr>
+              <a:t>	</a:t>
+            </a:r>
+            <a:r>
+              <a:rPr lang="en-US" sz="1200" b="0" i="0" dirty="0">
+                <a:solidFill>
+                  <a:srgbClr val="24292E"/>
+                </a:solidFill>
+                <a:effectLst/>
+                <a:latin typeface="-apple-system"/>
+              </a:rPr>
+              <a:t>Retrieved from: </a:t>
+            </a:r>
+            <a:r>
+              <a:rPr lang="en-US" sz="1200" b="0" i="0" u="none" strike="noStrike" dirty="0">
+                <a:solidFill>
+                  <a:srgbClr val="24292E"/>
+                </a:solidFill>
+                <a:effectLst/>
+                <a:latin typeface="-apple-system"/>
+                <a:hlinkClick r:id="rId2"/>
+              </a:rPr>
+              <a:t>https://www.enisa.europa.eu/publications/info-notes/the-value-of-personal-online-data</a:t>
+            </a:r>
+            <a:endParaRPr lang="en-US" sz="1200" b="0" i="0" dirty="0">
+              <a:solidFill>
+                <a:srgbClr val="24292E"/>
+              </a:solidFill>
+              <a:effectLst/>
+              <a:latin typeface="-apple-system"/>
+            </a:endParaRPr>
+          </a:p>
+          <a:p>
+            <a:pPr algn="l"/>
+            <a:r>
+              <a:rPr lang="en-US" sz="1200" dirty="0">
+                <a:solidFill>
+                  <a:schemeClr val="tx1"/>
+                </a:solidFill>
+                <a:latin typeface="Times New Roman" panose="02020603050405020304" pitchFamily="18" charset="0"/>
+                <a:cs typeface="Times New Roman" panose="02020603050405020304" pitchFamily="18" charset="0"/>
+              </a:rPr>
+              <a:t>[2] </a:t>
+            </a:r>
+            <a:r>
+              <a:rPr lang="en-US" sz="1200" b="0" i="0" dirty="0">
+                <a:solidFill>
+                  <a:srgbClr val="24292E"/>
+                </a:solidFill>
+                <a:effectLst/>
+                <a:latin typeface="-apple-system"/>
+              </a:rPr>
+              <a:t>The University of Chicago. (2020, Oct.). End-User Device Policy.</a:t>
+            </a:r>
+          </a:p>
+          <a:p>
+            <a:pPr marL="0" indent="0" algn="l">
+              <a:buNone/>
+            </a:pPr>
+            <a:r>
+              <a:rPr lang="en-US" sz="1200" dirty="0">
+                <a:solidFill>
+                  <a:srgbClr val="24292E"/>
+                </a:solidFill>
+                <a:latin typeface="-apple-system"/>
+              </a:rPr>
+              <a:t>	</a:t>
+            </a:r>
+            <a:r>
+              <a:rPr lang="en-US" sz="1200" b="0" i="0" dirty="0">
+                <a:solidFill>
+                  <a:srgbClr val="24292E"/>
+                </a:solidFill>
+                <a:effectLst/>
+                <a:latin typeface="-apple-system"/>
+              </a:rPr>
+              <a:t>Retrieved from: </a:t>
+            </a:r>
+            <a:r>
+              <a:rPr lang="en-US" sz="1200" b="0" i="0" u="none" strike="noStrike" dirty="0">
+                <a:solidFill>
+                  <a:srgbClr val="24292E"/>
+                </a:solidFill>
+                <a:effectLst/>
+                <a:latin typeface="-apple-system"/>
+                <a:hlinkClick r:id="rId3"/>
+              </a:rPr>
+              <a:t>https://its.uchicago.edu/eud-policy/#:~:text=End-user%20device%3A%20Any%20desktop,is%20an%20end-user%20device.&amp;text=If%20the%20device%20is%20networked,is%20subject%20to%20this%20policy</a:t>
+            </a:r>
+            <a:endParaRPr lang="en-US" sz="1200" b="0" i="0" dirty="0">
+              <a:solidFill>
+                <a:srgbClr val="24292E"/>
+              </a:solidFill>
+              <a:effectLst/>
+              <a:latin typeface="-apple-system"/>
+            </a:endParaRPr>
+          </a:p>
+          <a:p>
+            <a:pPr algn="l"/>
+            <a:r>
+              <a:rPr lang="en-US" sz="1200" b="0" i="0">
+                <a:solidFill>
+                  <a:srgbClr val="24292E"/>
+                </a:solidFill>
+                <a:effectLst/>
+                <a:latin typeface="-apple-system"/>
+              </a:rPr>
+              <a:t>[3] </a:t>
+            </a:r>
+            <a:r>
+              <a:rPr lang="en-US" sz="1200" b="0" i="0" dirty="0" err="1">
+                <a:solidFill>
+                  <a:srgbClr val="24292E"/>
+                </a:solidFill>
+                <a:effectLst/>
+                <a:latin typeface="-apple-system"/>
+              </a:rPr>
+              <a:t>Fruhwirth</a:t>
+            </a:r>
+            <a:r>
+              <a:rPr lang="en-US" sz="1200" b="0" i="0" dirty="0">
+                <a:solidFill>
+                  <a:srgbClr val="24292E"/>
+                </a:solidFill>
+                <a:effectLst/>
+                <a:latin typeface="-apple-system"/>
+              </a:rPr>
+              <a:t>, C. (2005, July). [PDF] New Methods in Hard Disk Encryption.</a:t>
+            </a:r>
+          </a:p>
+          <a:p>
+            <a:pPr marL="0" indent="0" algn="l">
+              <a:buNone/>
+            </a:pPr>
+            <a:r>
+              <a:rPr lang="en-US" sz="1200" dirty="0">
+                <a:solidFill>
+                  <a:srgbClr val="24292E"/>
+                </a:solidFill>
+                <a:latin typeface="-apple-system"/>
+              </a:rPr>
+              <a:t>	</a:t>
+            </a:r>
+            <a:r>
+              <a:rPr lang="en-US" sz="1200" b="0" i="0" dirty="0">
+                <a:solidFill>
+                  <a:srgbClr val="24292E"/>
+                </a:solidFill>
+                <a:effectLst/>
+                <a:latin typeface="-apple-system"/>
+              </a:rPr>
+              <a:t>Retrieved from: </a:t>
+            </a:r>
+            <a:r>
+              <a:rPr lang="en-US" sz="1200" b="0" i="0" u="none" strike="noStrike" dirty="0">
+                <a:solidFill>
+                  <a:srgbClr val="24292E"/>
+                </a:solidFill>
+                <a:effectLst/>
+                <a:latin typeface="-apple-system"/>
+                <a:hlinkClick r:id="rId4"/>
+              </a:rPr>
+              <a:t>https://clemens.endorphin.org/nmihde/nmihde-A4-ds.pdf</a:t>
+            </a:r>
+            <a:endParaRPr lang="en-US" sz="1200" b="0" i="0" dirty="0">
+              <a:solidFill>
+                <a:srgbClr val="24292E"/>
+              </a:solidFill>
+              <a:effectLst/>
+              <a:latin typeface="-apple-system"/>
+            </a:endParaRPr>
+          </a:p>
+          <a:p>
+            <a:endParaRPr lang="en-US" sz="1200" dirty="0">
+              <a:solidFill>
+                <a:schemeClr val="tx1"/>
+              </a:solidFill>
+              <a:latin typeface="Times New Roman" panose="02020603050405020304" pitchFamily="18" charset="0"/>
+              <a:cs typeface="Times New Roman" panose="02020603050405020304" pitchFamily="18" charset="0"/>
+            </a:endParaRPr>
+          </a:p>
+        </p:txBody>
+      </p:sp>
+    </p:spTree>
+    <p:extLst>
+      <p:ext uri="{BB962C8B-B14F-4D97-AF65-F5344CB8AC3E}">
+        <p14:creationId xmlns:p14="http://schemas.microsoft.com/office/powerpoint/2010/main" val="1544888937"/>
       </p:ext>
     </p:extLst>
   </p:cSld>
@@ -8323,7 +8808,13 @@
           <a:lstStyle/>
           <a:p>
             <a:r>
-              <a:rPr lang="en-US" dirty="0"/>
+              <a:rPr lang="en-US" dirty="0">
+                <a:solidFill>
+                  <a:schemeClr val="tx1"/>
+                </a:solidFill>
+                <a:latin typeface="Times New Roman" panose="02020603050405020304" pitchFamily="18" charset="0"/>
+                <a:cs typeface="Times New Roman" panose="02020603050405020304" pitchFamily="18" charset="0"/>
+              </a:rPr>
               <a:t>Statement of Purpose</a:t>
             </a:r>
           </a:p>
@@ -8351,15 +8842,48 @@
           <a:lstStyle/>
           <a:p>
             <a:r>
-              <a:rPr lang="en-US" dirty="0"/>
+              <a:rPr lang="en-US" sz="1200" dirty="0">
+                <a:solidFill>
+                  <a:schemeClr val="tx1"/>
+                </a:solidFill>
+                <a:latin typeface="Times New Roman" panose="02020603050405020304" pitchFamily="18" charset="0"/>
+                <a:cs typeface="Times New Roman" panose="02020603050405020304" pitchFamily="18" charset="0"/>
+              </a:rPr>
               <a:t>Today there is a massive market for healthcare encryption since files are being shared through emails now containing personally identifying information (PII).</a:t>
             </a:r>
           </a:p>
           <a:p>
+            <a:endParaRPr lang="en-US" sz="1200" dirty="0">
+              <a:solidFill>
+                <a:schemeClr val="tx1"/>
+              </a:solidFill>
+              <a:latin typeface="Times New Roman" panose="02020603050405020304" pitchFamily="18" charset="0"/>
+              <a:cs typeface="Times New Roman" panose="02020603050405020304" pitchFamily="18" charset="0"/>
+            </a:endParaRPr>
+          </a:p>
+          <a:p>
+            <a:r>
+              <a:rPr lang="en-US" sz="1200" dirty="0">
+                <a:solidFill>
+                  <a:schemeClr val="tx1"/>
+                </a:solidFill>
+                <a:latin typeface="Times New Roman" panose="02020603050405020304" pitchFamily="18" charset="0"/>
+                <a:cs typeface="Times New Roman" panose="02020603050405020304" pitchFamily="18" charset="0"/>
+              </a:rPr>
+              <a:t>In a group meeting of the European Union Agency for Cybersecurity they established that data is considered the gold of the digital age and that it is an important commodity for the generation of its own profits [1].</a:t>
+            </a:r>
+          </a:p>
+          <a:p>
             <a:pPr marL="0" indent="0">
               <a:buNone/>
             </a:pPr>
-            <a:endParaRPr lang="en-US" dirty="0"/>
+            <a:endParaRPr lang="en-US" sz="1200" dirty="0">
+              <a:solidFill>
+                <a:schemeClr val="tx1"/>
+              </a:solidFill>
+              <a:latin typeface="Times New Roman" panose="02020603050405020304" pitchFamily="18" charset="0"/>
+              <a:cs typeface="Times New Roman" panose="02020603050405020304" pitchFamily="18" charset="0"/>
+            </a:endParaRPr>
           </a:p>
           <a:p>
             <a:pPr>
@@ -8367,7 +8891,13 @@
               <a:buChar char=""/>
             </a:pPr>
             <a:r>
-              <a:rPr lang="en-US" dirty="0"/>
+              <a:rPr lang="en-US" sz="1200" dirty="0">
+                <a:solidFill>
+                  <a:schemeClr val="tx1"/>
+                </a:solidFill>
+                <a:latin typeface="Times New Roman" panose="02020603050405020304" pitchFamily="18" charset="0"/>
+                <a:cs typeface="Times New Roman" panose="02020603050405020304" pitchFamily="18" charset="0"/>
+              </a:rPr>
               <a:t>However, In the public market there are few options if you did not select full-disk encryption when first setting up your device. Of those that are available none are free as they are all services provided by companies.</a:t>
             </a:r>
           </a:p>
@@ -8375,7 +8905,13 @@
             <a:pPr marL="0" indent="0">
               <a:buNone/>
             </a:pPr>
-            <a:endParaRPr lang="en-US" dirty="0"/>
+            <a:endParaRPr lang="en-US" sz="1200" dirty="0">
+              <a:solidFill>
+                <a:schemeClr val="tx1"/>
+              </a:solidFill>
+              <a:latin typeface="Times New Roman" panose="02020603050405020304" pitchFamily="18" charset="0"/>
+              <a:cs typeface="Times New Roman" panose="02020603050405020304" pitchFamily="18" charset="0"/>
+            </a:endParaRPr>
           </a:p>
           <a:p>
             <a:pPr>
@@ -8383,7 +8919,13 @@
               <a:buChar char=""/>
             </a:pPr>
             <a:r>
-              <a:rPr lang="en-US" dirty="0"/>
+              <a:rPr lang="en-US" sz="1200" dirty="0">
+                <a:solidFill>
+                  <a:schemeClr val="tx1"/>
+                </a:solidFill>
+                <a:latin typeface="Times New Roman" panose="02020603050405020304" pitchFamily="18" charset="0"/>
+                <a:cs typeface="Times New Roman" panose="02020603050405020304" pitchFamily="18" charset="0"/>
+              </a:rPr>
               <a:t>The purpose of this project is to develop a free software that is for end-user encryption of individual files rather than the traditional method of full-disk encryption.</a:t>
             </a:r>
           </a:p>
@@ -8444,7 +8986,10 @@
           <a:lstStyle/>
           <a:p>
             <a:r>
-              <a:rPr lang="en-US" dirty="0"/>
+              <a:rPr lang="en-US" dirty="0">
+                <a:latin typeface="Times New Roman" panose="02020603050405020304" pitchFamily="18" charset="0"/>
+                <a:cs typeface="Times New Roman" panose="02020603050405020304" pitchFamily="18" charset="0"/>
+              </a:rPr>
               <a:t>Research &amp; Background</a:t>
             </a:r>
           </a:p>
@@ -8468,10 +9013,107 @@
         </p:nvSpPr>
         <p:spPr/>
         <p:txBody>
-          <a:bodyPr/>
+          <a:bodyPr>
+            <a:normAutofit/>
+          </a:bodyPr>
           <a:lstStyle/>
           <a:p>
-            <a:endParaRPr lang="en-US"/>
+            <a:r>
+              <a:rPr lang="en-US" sz="1200" dirty="0">
+                <a:solidFill>
+                  <a:schemeClr val="tx1"/>
+                </a:solidFill>
+                <a:latin typeface="Times New Roman" panose="02020603050405020304" pitchFamily="18" charset="0"/>
+                <a:cs typeface="Times New Roman" panose="02020603050405020304" pitchFamily="18" charset="0"/>
+              </a:rPr>
+              <a:t>The National Institute of Standards and Technology (NIST) recognized the necessity for end-user encryption for devices and files due to the ever-increasing number of cyber threats and successful attacks .</a:t>
+            </a:r>
+          </a:p>
+          <a:p>
+            <a:pPr marL="0" indent="0">
+              <a:buNone/>
+            </a:pPr>
+            <a:endParaRPr lang="en-US" sz="1200" dirty="0">
+              <a:solidFill>
+                <a:schemeClr val="tx1"/>
+              </a:solidFill>
+              <a:latin typeface="Times New Roman" panose="02020603050405020304" pitchFamily="18" charset="0"/>
+              <a:cs typeface="Times New Roman" panose="02020603050405020304" pitchFamily="18" charset="0"/>
+            </a:endParaRPr>
+          </a:p>
+          <a:p>
+            <a:r>
+              <a:rPr lang="en-US" sz="1200" dirty="0">
+                <a:solidFill>
+                  <a:schemeClr val="tx1"/>
+                </a:solidFill>
+                <a:latin typeface="Times New Roman" panose="02020603050405020304" pitchFamily="18" charset="0"/>
+                <a:cs typeface="Times New Roman" panose="02020603050405020304" pitchFamily="18" charset="0"/>
+              </a:rPr>
+              <a:t>The University of Chicago defines end-user device as any desktop or laptop computer, any tablet, smartphone, or other mobile device. Also, they mention that USB drives or removable media drives do not count as end-user devices [2].</a:t>
+            </a:r>
+          </a:p>
+          <a:p>
+            <a:endParaRPr lang="en-US" sz="1200" dirty="0">
+              <a:solidFill>
+                <a:schemeClr val="tx1"/>
+              </a:solidFill>
+              <a:latin typeface="Times New Roman" panose="02020603050405020304" pitchFamily="18" charset="0"/>
+              <a:cs typeface="Times New Roman" panose="02020603050405020304" pitchFamily="18" charset="0"/>
+            </a:endParaRPr>
+          </a:p>
+          <a:p>
+            <a:r>
+              <a:rPr lang="en-US" sz="1200" dirty="0">
+                <a:solidFill>
+                  <a:schemeClr val="tx1"/>
+                </a:solidFill>
+                <a:latin typeface="Times New Roman" panose="02020603050405020304" pitchFamily="18" charset="0"/>
+                <a:cs typeface="Times New Roman" panose="02020603050405020304" pitchFamily="18" charset="0"/>
+              </a:rPr>
+              <a:t>A 2005 paper titled </a:t>
+            </a:r>
+            <a:r>
+              <a:rPr lang="en-US" sz="1200" i="1" dirty="0">
+                <a:solidFill>
+                  <a:schemeClr val="tx1"/>
+                </a:solidFill>
+                <a:latin typeface="Times New Roman" panose="02020603050405020304" pitchFamily="18" charset="0"/>
+                <a:cs typeface="Times New Roman" panose="02020603050405020304" pitchFamily="18" charset="0"/>
+              </a:rPr>
+              <a:t>New Methods in Hard Disk Encryption</a:t>
+            </a:r>
+            <a:r>
+              <a:rPr lang="en-US" sz="1200" dirty="0">
+                <a:solidFill>
+                  <a:schemeClr val="tx1"/>
+                </a:solidFill>
+                <a:latin typeface="Times New Roman" panose="02020603050405020304" pitchFamily="18" charset="0"/>
+                <a:cs typeface="Times New Roman" panose="02020603050405020304" pitchFamily="18" charset="0"/>
+              </a:rPr>
+              <a:t> noted that since processors have become more powerful disk-level encryption has become more widely available for the consumer. However, almost all disk-level encryption uses CBC cipher instead of different ciphers [3].</a:t>
+            </a:r>
+          </a:p>
+          <a:p>
+            <a:endParaRPr lang="en-US" sz="1200" dirty="0">
+              <a:solidFill>
+                <a:schemeClr val="tx1"/>
+              </a:solidFill>
+              <a:latin typeface="Times New Roman" panose="02020603050405020304" pitchFamily="18" charset="0"/>
+              <a:cs typeface="Times New Roman" panose="02020603050405020304" pitchFamily="18" charset="0"/>
+            </a:endParaRPr>
+          </a:p>
+          <a:p>
+            <a:r>
+              <a:rPr lang="en-US" sz="1200" dirty="0">
+                <a:solidFill>
+                  <a:schemeClr val="tx1"/>
+                </a:solidFill>
+                <a:latin typeface="Times New Roman" panose="02020603050405020304" pitchFamily="18" charset="0"/>
+                <a:cs typeface="Times New Roman" panose="02020603050405020304" pitchFamily="18" charset="0"/>
+              </a:rPr>
+              <a:t>This is where most of the focus is outside of healthcare encryption so there is a lack of focus on the consumer aspect of encryption without having full-disk encryption which requires reformatting a drive if its not set up on the initial formatting of a desktop or laptop.</a:t>
+            </a:r>
           </a:p>
         </p:txBody>
       </p:sp>
@@ -8527,7 +9169,13 @@
           <a:lstStyle/>
           <a:p>
             <a:r>
-              <a:rPr lang="en-US" dirty="0"/>
+              <a:rPr lang="en-US" dirty="0">
+                <a:solidFill>
+                  <a:schemeClr val="tx1"/>
+                </a:solidFill>
+                <a:latin typeface="Times New Roman" panose="02020603050405020304" pitchFamily="18" charset="0"/>
+                <a:cs typeface="Times New Roman" panose="02020603050405020304" pitchFamily="18" charset="0"/>
+              </a:rPr>
               <a:t>Project Languages, Software, &amp; Hardware</a:t>
             </a:r>
           </a:p>
@@ -8551,52 +9199,102 @@
         </p:nvSpPr>
         <p:spPr/>
         <p:txBody>
-          <a:bodyPr/>
+          <a:bodyPr>
+            <a:normAutofit/>
+          </a:bodyPr>
           <a:lstStyle/>
           <a:p>
             <a:r>
-              <a:rPr lang="en-US" dirty="0"/>
+              <a:rPr lang="en-US" sz="1200" dirty="0">
+                <a:solidFill>
+                  <a:schemeClr val="tx1"/>
+                </a:solidFill>
+                <a:latin typeface="Times New Roman" panose="02020603050405020304" pitchFamily="18" charset="0"/>
+                <a:cs typeface="Times New Roman" panose="02020603050405020304" pitchFamily="18" charset="0"/>
+              </a:rPr>
               <a:t>Project Languages</a:t>
             </a:r>
           </a:p>
           <a:p>
             <a:pPr lvl="1"/>
             <a:r>
-              <a:rPr lang="en-US" dirty="0"/>
+              <a:rPr lang="en-US" sz="1200" dirty="0">
+                <a:solidFill>
+                  <a:schemeClr val="tx1"/>
+                </a:solidFill>
+                <a:latin typeface="Times New Roman" panose="02020603050405020304" pitchFamily="18" charset="0"/>
+                <a:cs typeface="Times New Roman" panose="02020603050405020304" pitchFamily="18" charset="0"/>
+              </a:rPr>
               <a:t>Java</a:t>
             </a:r>
           </a:p>
           <a:p>
             <a:pPr lvl="1"/>
-            <a:endParaRPr lang="en-US" dirty="0"/>
-          </a:p>
-          <a:p>
-            <a:r>
-              <a:rPr lang="en-US" dirty="0"/>
+            <a:endParaRPr lang="en-US" sz="1200" dirty="0">
+              <a:solidFill>
+                <a:schemeClr val="tx1"/>
+              </a:solidFill>
+              <a:latin typeface="Times New Roman" panose="02020603050405020304" pitchFamily="18" charset="0"/>
+              <a:cs typeface="Times New Roman" panose="02020603050405020304" pitchFamily="18" charset="0"/>
+            </a:endParaRPr>
+          </a:p>
+          <a:p>
+            <a:r>
+              <a:rPr lang="en-US" sz="1200" dirty="0">
+                <a:solidFill>
+                  <a:schemeClr val="tx1"/>
+                </a:solidFill>
+                <a:latin typeface="Times New Roman" panose="02020603050405020304" pitchFamily="18" charset="0"/>
+                <a:cs typeface="Times New Roman" panose="02020603050405020304" pitchFamily="18" charset="0"/>
+              </a:rPr>
               <a:t>Project Software</a:t>
             </a:r>
           </a:p>
           <a:p>
             <a:pPr lvl="1"/>
             <a:r>
-              <a:rPr lang="en-US" dirty="0"/>
+              <a:rPr lang="en-US" sz="1200" dirty="0">
+                <a:solidFill>
+                  <a:schemeClr val="tx1"/>
+                </a:solidFill>
+                <a:latin typeface="Times New Roman" panose="02020603050405020304" pitchFamily="18" charset="0"/>
+                <a:cs typeface="Times New Roman" panose="02020603050405020304" pitchFamily="18" charset="0"/>
+              </a:rPr>
               <a:t>Apache NetBeans 12.0 IDE</a:t>
             </a:r>
           </a:p>
           <a:p>
             <a:pPr lvl="1"/>
-            <a:endParaRPr lang="en-US" dirty="0"/>
-          </a:p>
-          <a:p>
-            <a:r>
-              <a:rPr lang="en-US" dirty="0"/>
+            <a:endParaRPr lang="en-US" sz="1200" dirty="0">
+              <a:solidFill>
+                <a:schemeClr val="tx1"/>
+              </a:solidFill>
+              <a:latin typeface="Times New Roman" panose="02020603050405020304" pitchFamily="18" charset="0"/>
+              <a:cs typeface="Times New Roman" panose="02020603050405020304" pitchFamily="18" charset="0"/>
+            </a:endParaRPr>
+          </a:p>
+          <a:p>
+            <a:r>
+              <a:rPr lang="en-US" sz="1200" dirty="0">
+                <a:solidFill>
+                  <a:schemeClr val="tx1"/>
+                </a:solidFill>
+                <a:latin typeface="Times New Roman" panose="02020603050405020304" pitchFamily="18" charset="0"/>
+                <a:cs typeface="Times New Roman" panose="02020603050405020304" pitchFamily="18" charset="0"/>
+              </a:rPr>
               <a:t>Hardware</a:t>
             </a:r>
           </a:p>
           <a:p>
             <a:pPr lvl="1"/>
             <a:r>
-              <a:rPr lang="en-US" dirty="0"/>
+              <a:rPr lang="en-US" sz="1200" dirty="0">
+                <a:solidFill>
+                  <a:schemeClr val="tx1"/>
+                </a:solidFill>
+                <a:latin typeface="Times New Roman" panose="02020603050405020304" pitchFamily="18" charset="0"/>
+                <a:cs typeface="Times New Roman" panose="02020603050405020304" pitchFamily="18" charset="0"/>
+              </a:rPr>
               <a:t>Laptop/Desktop</a:t>
             </a:r>
           </a:p>
@@ -8654,7 +9352,13 @@
           <a:lstStyle/>
           <a:p>
             <a:r>
-              <a:rPr lang="en-US" dirty="0"/>
+              <a:rPr lang="en-US" dirty="0">
+                <a:solidFill>
+                  <a:schemeClr val="tx1"/>
+                </a:solidFill>
+                <a:latin typeface="Times New Roman" panose="02020603050405020304" pitchFamily="18" charset="0"/>
+                <a:cs typeface="Times New Roman" panose="02020603050405020304" pitchFamily="18" charset="0"/>
+              </a:rPr>
               <a:t>Project Requirements</a:t>
             </a:r>
           </a:p>
@@ -8678,82 +9382,156 @@
         </p:nvSpPr>
         <p:spPr/>
         <p:txBody>
-          <a:bodyPr/>
+          <a:bodyPr>
+            <a:normAutofit/>
+          </a:bodyPr>
           <a:lstStyle/>
           <a:p>
             <a:r>
-              <a:rPr lang="en-US" dirty="0"/>
+              <a:rPr lang="en-US" sz="1200" dirty="0">
+                <a:solidFill>
+                  <a:schemeClr val="tx1"/>
+                </a:solidFill>
+                <a:latin typeface="Times New Roman" panose="02020603050405020304" pitchFamily="18" charset="0"/>
+                <a:cs typeface="Times New Roman" panose="02020603050405020304" pitchFamily="18" charset="0"/>
+              </a:rPr>
               <a:t>The project requirements included:</a:t>
             </a:r>
           </a:p>
           <a:p>
             <a:pPr lvl="1"/>
             <a:r>
-              <a:rPr lang="en-US" dirty="0"/>
+              <a:rPr lang="en-US" sz="1200" dirty="0">
+                <a:solidFill>
+                  <a:schemeClr val="tx1"/>
+                </a:solidFill>
+                <a:latin typeface="Times New Roman" panose="02020603050405020304" pitchFamily="18" charset="0"/>
+                <a:cs typeface="Times New Roman" panose="02020603050405020304" pitchFamily="18" charset="0"/>
+              </a:rPr>
               <a:t>Clear and Concise User Interface</a:t>
             </a:r>
           </a:p>
           <a:p>
             <a:pPr lvl="1"/>
             <a:r>
-              <a:rPr lang="en-US" dirty="0"/>
+              <a:rPr lang="en-US" sz="1200" dirty="0">
+                <a:solidFill>
+                  <a:schemeClr val="tx1"/>
+                </a:solidFill>
+                <a:latin typeface="Times New Roman" panose="02020603050405020304" pitchFamily="18" charset="0"/>
+                <a:cs typeface="Times New Roman" panose="02020603050405020304" pitchFamily="18" charset="0"/>
+              </a:rPr>
               <a:t>Recursive Call to Encryption and Decryption </a:t>
             </a:r>
           </a:p>
           <a:p>
             <a:pPr lvl="1"/>
             <a:r>
-              <a:rPr lang="en-US" dirty="0"/>
+              <a:rPr lang="en-US" sz="1200" dirty="0">
+                <a:solidFill>
+                  <a:schemeClr val="tx1"/>
+                </a:solidFill>
+                <a:latin typeface="Times New Roman" panose="02020603050405020304" pitchFamily="18" charset="0"/>
+                <a:cs typeface="Times New Roman" panose="02020603050405020304" pitchFamily="18" charset="0"/>
+              </a:rPr>
               <a:t>File and Folder Creation</a:t>
             </a:r>
           </a:p>
           <a:p>
             <a:pPr lvl="1"/>
             <a:r>
-              <a:rPr lang="en-US" dirty="0"/>
+              <a:rPr lang="en-US" sz="1200" dirty="0">
+                <a:solidFill>
+                  <a:schemeClr val="tx1"/>
+                </a:solidFill>
+                <a:latin typeface="Times New Roman" panose="02020603050405020304" pitchFamily="18" charset="0"/>
+                <a:cs typeface="Times New Roman" panose="02020603050405020304" pitchFamily="18" charset="0"/>
+              </a:rPr>
               <a:t>File Input Validation</a:t>
             </a:r>
           </a:p>
           <a:p>
             <a:pPr lvl="1"/>
             <a:r>
-              <a:rPr lang="en-US" dirty="0"/>
+              <a:rPr lang="en-US" sz="1200" dirty="0">
+                <a:solidFill>
+                  <a:schemeClr val="tx1"/>
+                </a:solidFill>
+                <a:latin typeface="Times New Roman" panose="02020603050405020304" pitchFamily="18" charset="0"/>
+                <a:cs typeface="Times New Roman" panose="02020603050405020304" pitchFamily="18" charset="0"/>
+              </a:rPr>
               <a:t>Caesar, DES, and AES256 Encryption and Decryption</a:t>
             </a:r>
           </a:p>
           <a:p>
             <a:pPr lvl="1"/>
             <a:r>
-              <a:rPr lang="en-US" dirty="0"/>
+              <a:rPr lang="en-US" sz="1200" dirty="0">
+                <a:solidFill>
+                  <a:schemeClr val="tx1"/>
+                </a:solidFill>
+                <a:latin typeface="Times New Roman" panose="02020603050405020304" pitchFamily="18" charset="0"/>
+                <a:cs typeface="Times New Roman" panose="02020603050405020304" pitchFamily="18" charset="0"/>
+              </a:rPr>
               <a:t>IV generator for AES256 Encryption and Decryption</a:t>
             </a:r>
           </a:p>
           <a:p>
             <a:pPr lvl="1"/>
             <a:r>
-              <a:rPr lang="en-US" dirty="0"/>
+              <a:rPr lang="en-US" sz="1200" dirty="0">
+                <a:solidFill>
+                  <a:schemeClr val="tx1"/>
+                </a:solidFill>
+                <a:latin typeface="Times New Roman" panose="02020603050405020304" pitchFamily="18" charset="0"/>
+                <a:cs typeface="Times New Roman" panose="02020603050405020304" pitchFamily="18" charset="0"/>
+              </a:rPr>
               <a:t>Secret Key generator for AES 256 Encryption and Decryption</a:t>
             </a:r>
           </a:p>
           <a:p>
             <a:pPr lvl="1"/>
             <a:r>
-              <a:rPr lang="en-US" dirty="0" err="1"/>
+              <a:rPr lang="en-US" sz="1200" dirty="0" err="1">
+                <a:solidFill>
+                  <a:schemeClr val="tx1"/>
+                </a:solidFill>
+                <a:latin typeface="Times New Roman" panose="02020603050405020304" pitchFamily="18" charset="0"/>
+                <a:cs typeface="Times New Roman" panose="02020603050405020304" pitchFamily="18" charset="0"/>
+              </a:rPr>
               <a:t>FileNotFound</a:t>
             </a:r>
             <a:r>
-              <a:rPr lang="en-US" dirty="0"/>
+              <a:rPr lang="en-US" sz="1200" dirty="0">
+                <a:solidFill>
+                  <a:schemeClr val="tx1"/>
+                </a:solidFill>
+                <a:latin typeface="Times New Roman" panose="02020603050405020304" pitchFamily="18" charset="0"/>
+                <a:cs typeface="Times New Roman" panose="02020603050405020304" pitchFamily="18" charset="0"/>
+              </a:rPr>
               <a:t> Exception</a:t>
             </a:r>
           </a:p>
           <a:p>
             <a:pPr lvl="1"/>
             <a:r>
-              <a:rPr lang="en-US" dirty="0" err="1"/>
+              <a:rPr lang="en-US" sz="1200" dirty="0" err="1">
+                <a:solidFill>
+                  <a:schemeClr val="tx1"/>
+                </a:solidFill>
+                <a:latin typeface="Times New Roman" panose="02020603050405020304" pitchFamily="18" charset="0"/>
+                <a:cs typeface="Times New Roman" panose="02020603050405020304" pitchFamily="18" charset="0"/>
+              </a:rPr>
               <a:t>BufferedReader</a:t>
             </a:r>
             <a:r>
-              <a:rPr lang="en-US" dirty="0"/>
+              <a:rPr lang="en-US" sz="1200" dirty="0">
+                <a:solidFill>
+                  <a:schemeClr val="tx1"/>
+                </a:solidFill>
+                <a:latin typeface="Times New Roman" panose="02020603050405020304" pitchFamily="18" charset="0"/>
+                <a:cs typeface="Times New Roman" panose="02020603050405020304" pitchFamily="18" charset="0"/>
+              </a:rPr>
               <a:t> for Reading File Text</a:t>
             </a:r>
           </a:p>
@@ -8811,7 +9589,13 @@
           <a:lstStyle/>
           <a:p>
             <a:r>
-              <a:rPr lang="en-US" dirty="0"/>
+              <a:rPr lang="en-US" dirty="0">
+                <a:solidFill>
+                  <a:schemeClr val="tx1"/>
+                </a:solidFill>
+                <a:latin typeface="Times New Roman" panose="02020603050405020304" pitchFamily="18" charset="0"/>
+                <a:cs typeface="Times New Roman" panose="02020603050405020304" pitchFamily="18" charset="0"/>
+              </a:rPr>
               <a:t>Project Implementation Description &amp; Explanation</a:t>
             </a:r>
           </a:p>
@@ -8835,64 +9619,115 @@
         </p:nvSpPr>
         <p:spPr/>
         <p:txBody>
-          <a:bodyPr/>
+          <a:bodyPr>
+            <a:normAutofit/>
+          </a:bodyPr>
           <a:lstStyle/>
           <a:p>
             <a:r>
-              <a:rPr lang="en-US" dirty="0"/>
+              <a:rPr lang="en-US" sz="1200" dirty="0">
+                <a:solidFill>
+                  <a:schemeClr val="tx1"/>
+                </a:solidFill>
+                <a:latin typeface="Times New Roman" panose="02020603050405020304" pitchFamily="18" charset="0"/>
+                <a:cs typeface="Times New Roman" panose="02020603050405020304" pitchFamily="18" charset="0"/>
+              </a:rPr>
               <a:t>For this project there were several tasks to be accomplished that included:</a:t>
             </a:r>
           </a:p>
           <a:p>
             <a:pPr lvl="1"/>
             <a:r>
-              <a:rPr lang="en-US" dirty="0"/>
+              <a:rPr lang="en-US" sz="1200" dirty="0">
+                <a:solidFill>
+                  <a:schemeClr val="tx1"/>
+                </a:solidFill>
+                <a:latin typeface="Times New Roman" panose="02020603050405020304" pitchFamily="18" charset="0"/>
+                <a:cs typeface="Times New Roman" panose="02020603050405020304" pitchFamily="18" charset="0"/>
+              </a:rPr>
               <a:t>Encryption and Decryption methods</a:t>
             </a:r>
           </a:p>
           <a:p>
             <a:pPr lvl="1"/>
             <a:r>
-              <a:rPr lang="en-US" dirty="0"/>
+              <a:rPr lang="en-US" sz="1200" dirty="0">
+                <a:solidFill>
+                  <a:schemeClr val="tx1"/>
+                </a:solidFill>
+                <a:latin typeface="Times New Roman" panose="02020603050405020304" pitchFamily="18" charset="0"/>
+                <a:cs typeface="Times New Roman" panose="02020603050405020304" pitchFamily="18" charset="0"/>
+              </a:rPr>
               <a:t>File name validation </a:t>
             </a:r>
           </a:p>
           <a:p>
             <a:pPr lvl="1"/>
             <a:r>
-              <a:rPr lang="en-US" dirty="0"/>
+              <a:rPr lang="en-US" sz="1200" dirty="0">
+                <a:solidFill>
+                  <a:schemeClr val="tx1"/>
+                </a:solidFill>
+                <a:latin typeface="Times New Roman" panose="02020603050405020304" pitchFamily="18" charset="0"/>
+                <a:cs typeface="Times New Roman" panose="02020603050405020304" pitchFamily="18" charset="0"/>
+              </a:rPr>
               <a:t>File and Folder creation</a:t>
             </a:r>
           </a:p>
           <a:p>
             <a:pPr lvl="1"/>
             <a:r>
-              <a:rPr lang="en-US" dirty="0"/>
+              <a:rPr lang="en-US" sz="1200" dirty="0">
+                <a:solidFill>
+                  <a:schemeClr val="tx1"/>
+                </a:solidFill>
+                <a:latin typeface="Times New Roman" panose="02020603050405020304" pitchFamily="18" charset="0"/>
+                <a:cs typeface="Times New Roman" panose="02020603050405020304" pitchFamily="18" charset="0"/>
+              </a:rPr>
               <a:t>Recursion, </a:t>
             </a:r>
             <a:r>
-              <a:rPr lang="en-US" dirty="0" err="1"/>
+              <a:rPr lang="en-US" sz="1200" dirty="0" err="1">
+                <a:solidFill>
+                  <a:schemeClr val="tx1"/>
+                </a:solidFill>
+                <a:latin typeface="Times New Roman" panose="02020603050405020304" pitchFamily="18" charset="0"/>
+                <a:cs typeface="Times New Roman" panose="02020603050405020304" pitchFamily="18" charset="0"/>
+              </a:rPr>
               <a:t>FileNotFound</a:t>
             </a:r>
             <a:r>
-              <a:rPr lang="en-US" dirty="0"/>
+              <a:rPr lang="en-US" sz="1200" dirty="0">
+                <a:solidFill>
+                  <a:schemeClr val="tx1"/>
+                </a:solidFill>
+                <a:latin typeface="Times New Roman" panose="02020603050405020304" pitchFamily="18" charset="0"/>
+                <a:cs typeface="Times New Roman" panose="02020603050405020304" pitchFamily="18" charset="0"/>
+              </a:rPr>
               <a:t> exception, and a file contents reader.</a:t>
             </a:r>
           </a:p>
           <a:p>
             <a:pPr lvl="1"/>
-            <a:endParaRPr lang="en-US" dirty="0"/>
-          </a:p>
-          <a:p>
-            <a:r>
-              <a:rPr lang="en-US" dirty="0"/>
-              <a:t>This project was developed over the course of 3 semesters and utilizes around 20 java libraries from the main groups of IO, Util, Security, </a:t>
-            </a:r>
-            <a:r>
-              <a:rPr lang="en-US"/>
-              <a:t>and Cipher.</a:t>
-            </a:r>
-            <a:endParaRPr lang="en-US" dirty="0"/>
+            <a:endParaRPr lang="en-US" sz="1200" dirty="0">
+              <a:solidFill>
+                <a:schemeClr val="tx1"/>
+              </a:solidFill>
+              <a:latin typeface="Times New Roman" panose="02020603050405020304" pitchFamily="18" charset="0"/>
+              <a:cs typeface="Times New Roman" panose="02020603050405020304" pitchFamily="18" charset="0"/>
+            </a:endParaRPr>
+          </a:p>
+          <a:p>
+            <a:r>
+              <a:rPr lang="en-US" sz="1200" dirty="0">
+                <a:solidFill>
+                  <a:schemeClr val="tx1"/>
+                </a:solidFill>
+                <a:latin typeface="Times New Roman" panose="02020603050405020304" pitchFamily="18" charset="0"/>
+                <a:cs typeface="Times New Roman" panose="02020603050405020304" pitchFamily="18" charset="0"/>
+              </a:rPr>
+              <a:t>This project was developed over the course of 3 semesters and utilizes around 20 java libraries from the main groups of IO, Util, Security, and Cipher.</a:t>
+            </a:r>
           </a:p>
         </p:txBody>
       </p:sp>
@@ -8948,7 +9783,13 @@
           <a:lstStyle/>
           <a:p>
             <a:r>
-              <a:rPr lang="en-US" dirty="0"/>
+              <a:rPr lang="en-US" dirty="0">
+                <a:solidFill>
+                  <a:schemeClr val="tx1"/>
+                </a:solidFill>
+                <a:latin typeface="Times New Roman" panose="02020603050405020304" pitchFamily="18" charset="0"/>
+                <a:cs typeface="Times New Roman" panose="02020603050405020304" pitchFamily="18" charset="0"/>
+              </a:rPr>
               <a:t>Test Plan</a:t>
             </a:r>
           </a:p>
@@ -8972,10 +9813,18 @@
         </p:nvSpPr>
         <p:spPr/>
         <p:txBody>
-          <a:bodyPr/>
+          <a:bodyPr>
+            <a:normAutofit/>
+          </a:bodyPr>
           <a:lstStyle/>
           <a:p>
-            <a:endParaRPr lang="en-US" dirty="0"/>
+            <a:endParaRPr lang="en-US" sz="1200" dirty="0">
+              <a:solidFill>
+                <a:schemeClr val="tx1"/>
+              </a:solidFill>
+              <a:latin typeface="Times New Roman" panose="02020603050405020304" pitchFamily="18" charset="0"/>
+              <a:cs typeface="Times New Roman" panose="02020603050405020304" pitchFamily="18" charset="0"/>
+            </a:endParaRPr>
           </a:p>
         </p:txBody>
       </p:sp>
@@ -9031,7 +9880,13 @@
           <a:lstStyle/>
           <a:p>
             <a:r>
-              <a:rPr lang="en-US" dirty="0"/>
+              <a:rPr lang="en-US" dirty="0">
+                <a:solidFill>
+                  <a:schemeClr val="tx1"/>
+                </a:solidFill>
+                <a:latin typeface="Times New Roman" panose="02020603050405020304" pitchFamily="18" charset="0"/>
+                <a:cs typeface="Times New Roman" panose="02020603050405020304" pitchFamily="18" charset="0"/>
+              </a:rPr>
               <a:t>Test Results</a:t>
             </a:r>
           </a:p>
@@ -9055,10 +9910,18 @@
         </p:nvSpPr>
         <p:spPr/>
         <p:txBody>
-          <a:bodyPr/>
+          <a:bodyPr>
+            <a:normAutofit/>
+          </a:bodyPr>
           <a:lstStyle/>
           <a:p>
-            <a:endParaRPr lang="en-US"/>
+            <a:endParaRPr lang="en-US" sz="1200" dirty="0">
+              <a:solidFill>
+                <a:schemeClr val="tx1"/>
+              </a:solidFill>
+              <a:latin typeface="Times New Roman" panose="02020603050405020304" pitchFamily="18" charset="0"/>
+              <a:cs typeface="Times New Roman" panose="02020603050405020304" pitchFamily="18" charset="0"/>
+            </a:endParaRPr>
           </a:p>
         </p:txBody>
       </p:sp>
@@ -9114,7 +9977,13 @@
           <a:lstStyle/>
           <a:p>
             <a:r>
-              <a:rPr lang="en-US" dirty="0"/>
+              <a:rPr lang="en-US" dirty="0">
+                <a:solidFill>
+                  <a:schemeClr val="tx1"/>
+                </a:solidFill>
+                <a:latin typeface="Times New Roman" panose="02020603050405020304" pitchFamily="18" charset="0"/>
+                <a:cs typeface="Times New Roman" panose="02020603050405020304" pitchFamily="18" charset="0"/>
+              </a:rPr>
               <a:t>Challenges Overcome</a:t>
             </a:r>
           </a:p>
@@ -9139,12 +10008,18 @@
         <p:spPr/>
         <p:txBody>
           <a:bodyPr>
-            <a:normAutofit fontScale="92500" lnSpcReduction="10000"/>
+            <a:normAutofit/>
           </a:bodyPr>
           <a:lstStyle/>
           <a:p>
             <a:r>
-              <a:rPr lang="en-US" dirty="0"/>
+              <a:rPr lang="en-US" sz="1200" dirty="0">
+                <a:solidFill>
+                  <a:schemeClr val="tx1"/>
+                </a:solidFill>
+                <a:latin typeface="Times New Roman" panose="02020603050405020304" pitchFamily="18" charset="0"/>
+                <a:cs typeface="Times New Roman" panose="02020603050405020304" pitchFamily="18" charset="0"/>
+              </a:rPr>
               <a:t>Data Failure resulting in loss of the initial project.</a:t>
             </a:r>
           </a:p>
@@ -9152,29 +10027,65 @@
             <a:pPr marL="0" indent="0">
               <a:buNone/>
             </a:pPr>
-            <a:endParaRPr lang="en-US" dirty="0"/>
-          </a:p>
-          <a:p>
-            <a:r>
-              <a:rPr lang="en-US" dirty="0"/>
+            <a:endParaRPr lang="en-US" sz="1200" dirty="0">
+              <a:solidFill>
+                <a:schemeClr val="tx1"/>
+              </a:solidFill>
+              <a:latin typeface="Times New Roman" panose="02020603050405020304" pitchFamily="18" charset="0"/>
+              <a:cs typeface="Times New Roman" panose="02020603050405020304" pitchFamily="18" charset="0"/>
+            </a:endParaRPr>
+          </a:p>
+          <a:p>
+            <a:r>
+              <a:rPr lang="en-US" sz="1200" dirty="0">
+                <a:solidFill>
+                  <a:schemeClr val="tx1"/>
+                </a:solidFill>
+                <a:latin typeface="Times New Roman" panose="02020603050405020304" pitchFamily="18" charset="0"/>
+                <a:cs typeface="Times New Roman" panose="02020603050405020304" pitchFamily="18" charset="0"/>
+              </a:rPr>
               <a:t>Creating new folders and files for individual encryption and decryption.</a:t>
             </a:r>
           </a:p>
           <a:p>
-            <a:endParaRPr lang="en-US" dirty="0"/>
-          </a:p>
-          <a:p>
-            <a:r>
-              <a:rPr lang="en-US" dirty="0"/>
+            <a:endParaRPr lang="en-US" sz="1200" dirty="0">
+              <a:solidFill>
+                <a:schemeClr val="tx1"/>
+              </a:solidFill>
+              <a:latin typeface="Times New Roman" panose="02020603050405020304" pitchFamily="18" charset="0"/>
+              <a:cs typeface="Times New Roman" panose="02020603050405020304" pitchFamily="18" charset="0"/>
+            </a:endParaRPr>
+          </a:p>
+          <a:p>
+            <a:r>
+              <a:rPr lang="en-US" sz="1200" dirty="0">
+                <a:solidFill>
+                  <a:schemeClr val="tx1"/>
+                </a:solidFill>
+                <a:latin typeface="Times New Roman" panose="02020603050405020304" pitchFamily="18" charset="0"/>
+                <a:cs typeface="Times New Roman" panose="02020603050405020304" pitchFamily="18" charset="0"/>
+              </a:rPr>
               <a:t>Linking the corresponding encryption and decryption files since they are separated, and default file explorer does not show seconds on its default view for when a file was last edited or created.</a:t>
             </a:r>
           </a:p>
           <a:p>
-            <a:endParaRPr lang="en-US" dirty="0"/>
-          </a:p>
-          <a:p>
-            <a:r>
-              <a:rPr lang="en-US" dirty="0"/>
+            <a:endParaRPr lang="en-US" sz="1200" dirty="0">
+              <a:solidFill>
+                <a:schemeClr val="tx1"/>
+              </a:solidFill>
+              <a:latin typeface="Times New Roman" panose="02020603050405020304" pitchFamily="18" charset="0"/>
+              <a:cs typeface="Times New Roman" panose="02020603050405020304" pitchFamily="18" charset="0"/>
+            </a:endParaRPr>
+          </a:p>
+          <a:p>
+            <a:r>
+              <a:rPr lang="en-US" sz="1200" dirty="0">
+                <a:solidFill>
+                  <a:schemeClr val="tx1"/>
+                </a:solidFill>
+                <a:latin typeface="Times New Roman" panose="02020603050405020304" pitchFamily="18" charset="0"/>
+                <a:cs typeface="Times New Roman" panose="02020603050405020304" pitchFamily="18" charset="0"/>
+              </a:rPr>
               <a:t>DES and AES256 multi-use encryption the multi-use decryption. This was an attempt to be able to encrypt multiple files one after another and decrypt multiple files one after another. However, due to instancing it was not possible at the time.</a:t>
             </a:r>
           </a:p>
